--- a/Reports/Emine_BOOSTanci_simulation_presentation_24_04_2024_09_21.pptx
+++ b/Reports/Emine_BOOSTanci_simulation_presentation_24_04_2024_09_21.pptx
@@ -4977,7 +4977,7 @@
                 <a:hlinkClick r:id="rId2">
                   <a:extLst>
                     <a:ext uri="{A12FA001-AC4F-418D-AE19-62706E023703}">
-                      <ahyp:hlinkClr xmlns:ahyp="http://schemas.microsoft.com/office/drawing/2018/hyperlinkcolor" xmlns="" val="tx"/>
+                      <ahyp:hlinkClr xmlns="" xmlns:ahyp="http://schemas.microsoft.com/office/drawing/2018/hyperlinkcolor" val="tx"/>
                     </a:ext>
                   </a:extLst>
                 </a:hlinkClick>
